--- a/Documents/02_Installation/01_CXX_1_x/04_Windows/installation.pptx
+++ b/Documents/02_Installation/01_CXX_1_x/04_Windows/installation.pptx
@@ -5,11 +5,12 @@
     <p:sldMasterId id="2147483648" r:id="rId1"/>
   </p:sldMasterIdLst>
   <p:notesMasterIdLst>
-    <p:notesMasterId r:id="rId4"/>
+    <p:notesMasterId r:id="rId5"/>
   </p:notesMasterIdLst>
   <p:sldIdLst>
     <p:sldId id="256" r:id="rId2"/>
     <p:sldId id="257" r:id="rId3"/>
+    <p:sldId id="258" r:id="rId4"/>
   </p:sldIdLst>
   <p:sldSz cx="9144000" cy="6858000" type="screen4x3"/>
   <p:notesSz cx="6858000" cy="9144000"/>
@@ -193,7 +194,8 @@
           <a:p>
             <a:fld id="{2FD13FDD-E8E6-45D5-84D4-33AB477B99C1}" type="datetimeFigureOut">
               <a:rPr kumimoji="1" lang="ja-JP" altLang="en-US" smtClean="0"/>
-              <a:t>2010/7/28</a:t>
+              <a:pPr/>
+              <a:t>2010/8/16</a:t>
             </a:fld>
             <a:endParaRPr kumimoji="1" lang="ja-JP" altLang="en-US"/>
           </a:p>
@@ -386,6 +388,7 @@
           <a:p>
             <a:fld id="{72C6C260-A593-40CA-9412-9C42F889FC88}" type="slidenum">
               <a:rPr kumimoji="1" lang="ja-JP" altLang="en-US" smtClean="0"/>
+              <a:pPr/>
               <a:t>&lt;#&gt;</a:t>
             </a:fld>
             <a:endParaRPr kumimoji="1" lang="ja-JP" altLang="en-US"/>
@@ -557,6 +560,7 @@
           <a:p>
             <a:fld id="{72C6C260-A593-40CA-9412-9C42F889FC88}" type="slidenum">
               <a:rPr kumimoji="1" lang="ja-JP" altLang="en-US" smtClean="0"/>
+              <a:pPr/>
               <a:t>1</a:t>
             </a:fld>
             <a:endParaRPr kumimoji="1" lang="ja-JP" altLang="en-US"/>
@@ -638,7 +642,90 @@
           <a:p>
             <a:fld id="{72C6C260-A593-40CA-9412-9C42F889FC88}" type="slidenum">
               <a:rPr kumimoji="1" lang="ja-JP" altLang="en-US" smtClean="0"/>
+              <a:pPr/>
               <a:t>2</a:t>
+            </a:fld>
+            <a:endParaRPr kumimoji="1" lang="ja-JP" altLang="en-US"/>
+          </a:p>
+        </p:txBody>
+      </p:sp>
+    </p:spTree>
+  </p:cSld>
+  <p:clrMapOvr>
+    <a:masterClrMapping/>
+  </p:clrMapOvr>
+</p:notes>
+</file>
+
+<file path=ppt/notesSlides/notesSlide3.xml><?xml version="1.0" encoding="utf-8"?>
+<p:notes xmlns:a="http://schemas.openxmlformats.org/drawingml/2006/main" xmlns:r="http://schemas.openxmlformats.org/officeDocument/2006/relationships" xmlns:p="http://schemas.openxmlformats.org/presentationml/2006/main">
+  <p:cSld>
+    <p:spTree>
+      <p:nvGrpSpPr>
+        <p:cNvPr id="1" name=""/>
+        <p:cNvGrpSpPr/>
+        <p:nvPr/>
+      </p:nvGrpSpPr>
+      <p:grpSpPr>
+        <a:xfrm>
+          <a:off x="0" y="0"/>
+          <a:ext cx="0" cy="0"/>
+          <a:chOff x="0" y="0"/>
+          <a:chExt cx="0" cy="0"/>
+        </a:xfrm>
+      </p:grpSpPr>
+      <p:sp>
+        <p:nvSpPr>
+          <p:cNvPr id="2" name="スライド イメージ プレースホルダ 1"/>
+          <p:cNvSpPr>
+            <a:spLocks noGrp="1" noRot="1" noChangeAspect="1"/>
+          </p:cNvSpPr>
+          <p:nvPr>
+            <p:ph type="sldImg"/>
+          </p:nvPr>
+        </p:nvSpPr>
+        <p:spPr/>
+      </p:sp>
+      <p:sp>
+        <p:nvSpPr>
+          <p:cNvPr id="3" name="ノート プレースホルダ 2"/>
+          <p:cNvSpPr>
+            <a:spLocks noGrp="1"/>
+          </p:cNvSpPr>
+          <p:nvPr>
+            <p:ph type="body" idx="1"/>
+          </p:nvPr>
+        </p:nvSpPr>
+        <p:spPr/>
+        <p:txBody>
+          <a:bodyPr>
+            <a:normAutofit/>
+          </a:bodyPr>
+          <a:lstStyle/>
+          <a:p>
+            <a:endParaRPr kumimoji="1" lang="ja-JP" altLang="en-US"/>
+          </a:p>
+        </p:txBody>
+      </p:sp>
+      <p:sp>
+        <p:nvSpPr>
+          <p:cNvPr id="4" name="スライド番号プレースホルダ 3"/>
+          <p:cNvSpPr>
+            <a:spLocks noGrp="1"/>
+          </p:cNvSpPr>
+          <p:nvPr>
+            <p:ph type="sldNum" sz="quarter" idx="10"/>
+          </p:nvPr>
+        </p:nvSpPr>
+        <p:spPr/>
+        <p:txBody>
+          <a:bodyPr/>
+          <a:lstStyle/>
+          <a:p>
+            <a:fld id="{72C6C260-A593-40CA-9412-9C42F889FC88}" type="slidenum">
+              <a:rPr kumimoji="1" lang="ja-JP" altLang="en-US" smtClean="0"/>
+              <a:pPr/>
+              <a:t>3</a:t>
             </a:fld>
             <a:endParaRPr kumimoji="1" lang="ja-JP" altLang="en-US"/>
           </a:p>
@@ -834,7 +921,7 @@
             <a:fld id="{E90ED720-0104-4369-84BC-D37694168613}" type="datetimeFigureOut">
               <a:rPr kumimoji="1" lang="ja-JP" altLang="en-US" smtClean="0"/>
               <a:pPr/>
-              <a:t>2010/7/28</a:t>
+              <a:t>2010/8/16</a:t>
             </a:fld>
             <a:endParaRPr kumimoji="1" lang="ja-JP" altLang="en-US"/>
           </a:p>
@@ -1033,7 +1120,7 @@
             <a:fld id="{E90ED720-0104-4369-84BC-D37694168613}" type="datetimeFigureOut">
               <a:rPr kumimoji="1" lang="ja-JP" altLang="en-US" smtClean="0"/>
               <a:pPr/>
-              <a:t>2010/7/28</a:t>
+              <a:t>2010/8/16</a:t>
             </a:fld>
             <a:endParaRPr kumimoji="1" lang="ja-JP" altLang="en-US"/>
           </a:p>
@@ -1242,7 +1329,7 @@
             <a:fld id="{E90ED720-0104-4369-84BC-D37694168613}" type="datetimeFigureOut">
               <a:rPr kumimoji="1" lang="ja-JP" altLang="en-US" smtClean="0"/>
               <a:pPr/>
-              <a:t>2010/7/28</a:t>
+              <a:t>2010/8/16</a:t>
             </a:fld>
             <a:endParaRPr kumimoji="1" lang="ja-JP" altLang="en-US"/>
           </a:p>
@@ -1441,7 +1528,7 @@
             <a:fld id="{E90ED720-0104-4369-84BC-D37694168613}" type="datetimeFigureOut">
               <a:rPr kumimoji="1" lang="ja-JP" altLang="en-US" smtClean="0"/>
               <a:pPr/>
-              <a:t>2010/7/28</a:t>
+              <a:t>2010/8/16</a:t>
             </a:fld>
             <a:endParaRPr kumimoji="1" lang="ja-JP" altLang="en-US"/>
           </a:p>
@@ -1684,7 +1771,7 @@
             <a:fld id="{E90ED720-0104-4369-84BC-D37694168613}" type="datetimeFigureOut">
               <a:rPr kumimoji="1" lang="ja-JP" altLang="en-US" smtClean="0"/>
               <a:pPr/>
-              <a:t>2010/7/28</a:t>
+              <a:t>2010/8/16</a:t>
             </a:fld>
             <a:endParaRPr kumimoji="1" lang="ja-JP" altLang="en-US"/>
           </a:p>
@@ -2033,7 +2120,7 @@
             <a:fld id="{E90ED720-0104-4369-84BC-D37694168613}" type="datetimeFigureOut">
               <a:rPr kumimoji="1" lang="ja-JP" altLang="en-US" smtClean="0"/>
               <a:pPr/>
-              <a:t>2010/7/28</a:t>
+              <a:t>2010/8/16</a:t>
             </a:fld>
             <a:endParaRPr kumimoji="1" lang="ja-JP" altLang="en-US"/>
           </a:p>
@@ -2516,7 +2603,7 @@
             <a:fld id="{E90ED720-0104-4369-84BC-D37694168613}" type="datetimeFigureOut">
               <a:rPr kumimoji="1" lang="ja-JP" altLang="en-US" smtClean="0"/>
               <a:pPr/>
-              <a:t>2010/7/28</a:t>
+              <a:t>2010/8/16</a:t>
             </a:fld>
             <a:endParaRPr kumimoji="1" lang="ja-JP" altLang="en-US"/>
           </a:p>
@@ -2631,7 +2718,7 @@
             <a:fld id="{E90ED720-0104-4369-84BC-D37694168613}" type="datetimeFigureOut">
               <a:rPr kumimoji="1" lang="ja-JP" altLang="en-US" smtClean="0"/>
               <a:pPr/>
-              <a:t>2010/7/28</a:t>
+              <a:t>2010/8/16</a:t>
             </a:fld>
             <a:endParaRPr kumimoji="1" lang="ja-JP" altLang="en-US"/>
           </a:p>
@@ -2723,7 +2810,7 @@
             <a:fld id="{E90ED720-0104-4369-84BC-D37694168613}" type="datetimeFigureOut">
               <a:rPr kumimoji="1" lang="ja-JP" altLang="en-US" smtClean="0"/>
               <a:pPr/>
-              <a:t>2010/7/28</a:t>
+              <a:t>2010/8/16</a:t>
             </a:fld>
             <a:endParaRPr kumimoji="1" lang="ja-JP" altLang="en-US"/>
           </a:p>
@@ -3029,7 +3116,7 @@
             <a:fld id="{E90ED720-0104-4369-84BC-D37694168613}" type="datetimeFigureOut">
               <a:rPr kumimoji="1" lang="ja-JP" altLang="en-US" smtClean="0"/>
               <a:pPr/>
-              <a:t>2010/7/28</a:t>
+              <a:t>2010/8/16</a:t>
             </a:fld>
             <a:endParaRPr kumimoji="1" lang="ja-JP" altLang="en-US"/>
           </a:p>
@@ -3279,7 +3366,7 @@
             <a:fld id="{E90ED720-0104-4369-84BC-D37694168613}" type="datetimeFigureOut">
               <a:rPr kumimoji="1" lang="ja-JP" altLang="en-US" smtClean="0"/>
               <a:pPr/>
-              <a:t>2010/7/28</a:t>
+              <a:t>2010/8/16</a:t>
             </a:fld>
             <a:endParaRPr kumimoji="1" lang="ja-JP" altLang="en-US"/>
           </a:p>
@@ -3521,7 +3608,7 @@
             <a:fld id="{E90ED720-0104-4369-84BC-D37694168613}" type="datetimeFigureOut">
               <a:rPr kumimoji="1" lang="ja-JP" altLang="en-US" smtClean="0"/>
               <a:pPr/>
-              <a:t>2010/7/28</a:t>
+              <a:t>2010/8/16</a:t>
             </a:fld>
             <a:endParaRPr kumimoji="1" lang="ja-JP" altLang="en-US"/>
           </a:p>
@@ -7090,6 +7177,1693 @@
             <a:xfrm>
               <a:off x="899592" y="1340768"/>
               <a:ext cx="1972144" cy="344133"/>
+            </a:xfrm>
+            <a:prstGeom prst="rect">
+              <a:avLst/>
+            </a:prstGeom>
+            <a:noFill/>
+          </p:spPr>
+          <p:txBody>
+            <a:bodyPr wrap="none" rtlCol="0">
+              <a:spAutoFit/>
+            </a:bodyPr>
+            <a:lstStyle/>
+            <a:p>
+              <a:r>
+                <a:rPr kumimoji="1" lang="en-US" altLang="ja-JP" sz="700" dirty="0" err="1" smtClean="0"/>
+                <a:t>OpenRTM-aist-X.X.X.tar.gz</a:t>
+              </a:r>
+              <a:endParaRPr kumimoji="1" lang="ja-JP" altLang="en-US" sz="700" dirty="0"/>
+            </a:p>
+          </p:txBody>
+        </p:sp>
+      </p:grpSp>
+    </p:spTree>
+  </p:cSld>
+  <p:clrMapOvr>
+    <a:masterClrMapping/>
+  </p:clrMapOvr>
+</p:sld>
+</file>
+
+<file path=ppt/slides/slide3.xml><?xml version="1.0" encoding="utf-8"?>
+<p:sld xmlns:a="http://schemas.openxmlformats.org/drawingml/2006/main" xmlns:r="http://schemas.openxmlformats.org/officeDocument/2006/relationships" xmlns:p="http://schemas.openxmlformats.org/presentationml/2006/main">
+  <p:cSld>
+    <p:spTree>
+      <p:nvGrpSpPr>
+        <p:cNvPr id="1" name=""/>
+        <p:cNvGrpSpPr/>
+        <p:nvPr/>
+      </p:nvGrpSpPr>
+      <p:grpSpPr>
+        <a:xfrm>
+          <a:off x="0" y="0"/>
+          <a:ext cx="0" cy="0"/>
+          <a:chOff x="0" y="0"/>
+          <a:chExt cx="0" cy="0"/>
+        </a:xfrm>
+      </p:grpSpPr>
+      <p:grpSp>
+        <p:nvGrpSpPr>
+          <p:cNvPr id="2" name="グループ化 21"/>
+          <p:cNvGrpSpPr/>
+          <p:nvPr/>
+        </p:nvGrpSpPr>
+        <p:grpSpPr>
+          <a:xfrm>
+            <a:off x="899592" y="260648"/>
+            <a:ext cx="7259958" cy="3096344"/>
+            <a:chOff x="899592" y="260648"/>
+            <a:chExt cx="7259958" cy="3096344"/>
+          </a:xfrm>
+        </p:grpSpPr>
+        <p:sp>
+          <p:nvSpPr>
+            <p:cNvPr id="4" name="正方形/長方形 3"/>
+            <p:cNvSpPr/>
+            <p:nvPr/>
+          </p:nvSpPr>
+          <p:spPr>
+            <a:xfrm>
+              <a:off x="3183716" y="260648"/>
+              <a:ext cx="2880320" cy="648072"/>
+            </a:xfrm>
+            <a:prstGeom prst="rect">
+              <a:avLst/>
+            </a:prstGeom>
+            <a:solidFill>
+              <a:schemeClr val="bg2"/>
+            </a:solidFill>
+            <a:ln w="9525">
+              <a:solidFill>
+                <a:schemeClr val="tx1"/>
+              </a:solidFill>
+            </a:ln>
+          </p:spPr>
+          <p:style>
+            <a:lnRef idx="2">
+              <a:schemeClr val="accent1">
+                <a:shade val="50000"/>
+              </a:schemeClr>
+            </a:lnRef>
+            <a:fillRef idx="1">
+              <a:schemeClr val="accent1"/>
+            </a:fillRef>
+            <a:effectRef idx="0">
+              <a:schemeClr val="accent1"/>
+            </a:effectRef>
+            <a:fontRef idx="minor">
+              <a:schemeClr val="lt1"/>
+            </a:fontRef>
+          </p:style>
+          <p:txBody>
+            <a:bodyPr rtlCol="0" anchor="ctr"/>
+            <a:lstStyle/>
+            <a:p>
+              <a:pPr algn="ctr"/>
+              <a:r>
+                <a:rPr lang="ko-KR" altLang="en-US" sz="1600" dirty="0" smtClean="0">
+                  <a:solidFill>
+                    <a:schemeClr val="tx2"/>
+                  </a:solidFill>
+                </a:rPr>
+                <a:t>오리지널 소스</a:t>
+              </a:r>
+              <a:endParaRPr kumimoji="1" lang="en-US" altLang="ja-JP" sz="1600" dirty="0" smtClean="0">
+                <a:solidFill>
+                  <a:schemeClr val="tx2"/>
+                </a:solidFill>
+              </a:endParaRPr>
+            </a:p>
+            <a:p>
+              <a:pPr algn="ctr"/>
+              <a:r>
+                <a:rPr lang="en-US" altLang="ja-JP" sz="1600" dirty="0" smtClean="0">
+                  <a:solidFill>
+                    <a:schemeClr val="tx2"/>
+                  </a:solidFill>
+                </a:rPr>
+                <a:t>(subversion </a:t>
+              </a:r>
+              <a:r>
+                <a:rPr lang="ko-KR" altLang="en-US" sz="1600" dirty="0" smtClean="0">
+                  <a:solidFill>
+                    <a:schemeClr val="tx2"/>
+                  </a:solidFill>
+                </a:rPr>
+                <a:t>리포지터리</a:t>
+              </a:r>
+              <a:r>
+                <a:rPr lang="en-US" altLang="ja-JP" sz="1600" dirty="0" smtClean="0">
+                  <a:solidFill>
+                    <a:schemeClr val="tx2"/>
+                  </a:solidFill>
+                </a:rPr>
+                <a:t>)</a:t>
+              </a:r>
+              <a:endParaRPr kumimoji="1" lang="ja-JP" altLang="en-US" sz="1600" dirty="0">
+                <a:solidFill>
+                  <a:schemeClr val="tx2"/>
+                </a:solidFill>
+              </a:endParaRPr>
+            </a:p>
+          </p:txBody>
+        </p:sp>
+        <p:sp>
+          <p:nvSpPr>
+            <p:cNvPr id="5" name="正方形/長方形 4"/>
+            <p:cNvSpPr/>
+            <p:nvPr/>
+          </p:nvSpPr>
+          <p:spPr>
+            <a:xfrm>
+              <a:off x="1239500" y="1592796"/>
+              <a:ext cx="2880320" cy="648072"/>
+            </a:xfrm>
+            <a:prstGeom prst="rect">
+              <a:avLst/>
+            </a:prstGeom>
+            <a:solidFill>
+              <a:schemeClr val="bg2"/>
+            </a:solidFill>
+            <a:ln w="9525">
+              <a:solidFill>
+                <a:schemeClr val="tx1"/>
+              </a:solidFill>
+            </a:ln>
+          </p:spPr>
+          <p:style>
+            <a:lnRef idx="2">
+              <a:schemeClr val="accent1">
+                <a:shade val="50000"/>
+              </a:schemeClr>
+            </a:lnRef>
+            <a:fillRef idx="1">
+              <a:schemeClr val="accent1"/>
+            </a:fillRef>
+            <a:effectRef idx="0">
+              <a:schemeClr val="accent1"/>
+            </a:effectRef>
+            <a:fontRef idx="minor">
+              <a:schemeClr val="lt1"/>
+            </a:fontRef>
+          </p:style>
+          <p:txBody>
+            <a:bodyPr rtlCol="0" anchor="ctr"/>
+            <a:lstStyle/>
+            <a:p>
+              <a:pPr algn="ctr"/>
+              <a:r>
+                <a:rPr kumimoji="1" lang="en-US" altLang="ja-JP" sz="1600" dirty="0" smtClean="0">
+                  <a:solidFill>
+                    <a:schemeClr val="tx2"/>
+                  </a:solidFill>
+                </a:rPr>
+                <a:t>Linux/Unix/Mac</a:t>
+              </a:r>
+              <a:r>
+                <a:rPr kumimoji="1" lang="ko-KR" altLang="en-US" sz="1600" dirty="0" smtClean="0">
+                  <a:solidFill>
+                    <a:schemeClr val="tx2"/>
+                  </a:solidFill>
+                </a:rPr>
+                <a:t>용 소스</a:t>
+              </a:r>
+              <a:endParaRPr kumimoji="1" lang="en-US" altLang="ja-JP" sz="1600" dirty="0" smtClean="0">
+                <a:solidFill>
+                  <a:schemeClr val="tx2"/>
+                </a:solidFill>
+              </a:endParaRPr>
+            </a:p>
+            <a:p>
+              <a:pPr algn="ctr"/>
+              <a:r>
+                <a:rPr lang="en-US" altLang="ja-JP" sz="1600" dirty="0" smtClean="0">
+                  <a:solidFill>
+                    <a:schemeClr val="tx2"/>
+                  </a:solidFill>
+                </a:rPr>
+                <a:t>(</a:t>
+              </a:r>
+              <a:r>
+                <a:rPr lang="en-US" altLang="ja-JP" sz="1600" dirty="0" err="1" smtClean="0">
+                  <a:solidFill>
+                    <a:schemeClr val="tx2"/>
+                  </a:solidFill>
+                </a:rPr>
+                <a:t>autotools</a:t>
+              </a:r>
+              <a:r>
+                <a:rPr lang="en-US" altLang="ja-JP" sz="1600" dirty="0" smtClean="0">
+                  <a:solidFill>
+                    <a:schemeClr val="tx2"/>
+                  </a:solidFill>
+                </a:rPr>
+                <a:t>)</a:t>
+              </a:r>
+              <a:endParaRPr kumimoji="1" lang="ja-JP" altLang="en-US" sz="1600" dirty="0">
+                <a:solidFill>
+                  <a:schemeClr val="tx2"/>
+                </a:solidFill>
+              </a:endParaRPr>
+            </a:p>
+          </p:txBody>
+        </p:sp>
+        <p:sp>
+          <p:nvSpPr>
+            <p:cNvPr id="6" name="正方形/長方形 5"/>
+            <p:cNvSpPr/>
+            <p:nvPr/>
+          </p:nvSpPr>
+          <p:spPr>
+            <a:xfrm>
+              <a:off x="4983916" y="1592796"/>
+              <a:ext cx="2880320" cy="648072"/>
+            </a:xfrm>
+            <a:prstGeom prst="rect">
+              <a:avLst/>
+            </a:prstGeom>
+            <a:solidFill>
+              <a:schemeClr val="bg2"/>
+            </a:solidFill>
+            <a:ln w="9525">
+              <a:solidFill>
+                <a:schemeClr val="tx1"/>
+              </a:solidFill>
+            </a:ln>
+          </p:spPr>
+          <p:style>
+            <a:lnRef idx="2">
+              <a:schemeClr val="accent1">
+                <a:shade val="50000"/>
+              </a:schemeClr>
+            </a:lnRef>
+            <a:fillRef idx="1">
+              <a:schemeClr val="accent1"/>
+            </a:fillRef>
+            <a:effectRef idx="0">
+              <a:schemeClr val="accent1"/>
+            </a:effectRef>
+            <a:fontRef idx="minor">
+              <a:schemeClr val="lt1"/>
+            </a:fontRef>
+          </p:style>
+          <p:txBody>
+            <a:bodyPr rtlCol="0" anchor="ctr"/>
+            <a:lstStyle/>
+            <a:p>
+              <a:pPr algn="ctr"/>
+              <a:r>
+                <a:rPr kumimoji="1" lang="en-US" altLang="ja-JP" sz="1600" dirty="0" smtClean="0">
+                  <a:solidFill>
+                    <a:schemeClr val="tx2"/>
+                  </a:solidFill>
+                </a:rPr>
+                <a:t>Windows</a:t>
+              </a:r>
+              <a:r>
+                <a:rPr kumimoji="1" lang="ko-KR" altLang="en-US" sz="1600" dirty="0" smtClean="0">
+                  <a:solidFill>
+                    <a:schemeClr val="tx2"/>
+                  </a:solidFill>
+                </a:rPr>
+                <a:t>용 소스</a:t>
+              </a:r>
+              <a:endParaRPr kumimoji="1" lang="en-US" altLang="ja-JP" sz="1600" dirty="0" smtClean="0">
+                <a:solidFill>
+                  <a:schemeClr val="tx2"/>
+                </a:solidFill>
+              </a:endParaRPr>
+            </a:p>
+            <a:p>
+              <a:pPr algn="ctr"/>
+              <a:r>
+                <a:rPr lang="en-US" altLang="ja-JP" sz="1600" dirty="0" smtClean="0">
+                  <a:solidFill>
+                    <a:schemeClr val="tx2"/>
+                  </a:solidFill>
+                </a:rPr>
+                <a:t>(VC solution/project)</a:t>
+              </a:r>
+              <a:endParaRPr kumimoji="1" lang="ja-JP" altLang="en-US" sz="1600" dirty="0">
+                <a:solidFill>
+                  <a:schemeClr val="tx2"/>
+                </a:solidFill>
+              </a:endParaRPr>
+            </a:p>
+          </p:txBody>
+        </p:sp>
+        <p:sp>
+          <p:nvSpPr>
+            <p:cNvPr id="7" name="正方形/長方形 6"/>
+            <p:cNvSpPr/>
+            <p:nvPr/>
+          </p:nvSpPr>
+          <p:spPr>
+            <a:xfrm>
+              <a:off x="1239500" y="2708920"/>
+              <a:ext cx="2880320" cy="648072"/>
+            </a:xfrm>
+            <a:prstGeom prst="rect">
+              <a:avLst/>
+            </a:prstGeom>
+            <a:solidFill>
+              <a:schemeClr val="bg2"/>
+            </a:solidFill>
+            <a:ln w="9525">
+              <a:solidFill>
+                <a:schemeClr val="tx1"/>
+              </a:solidFill>
+            </a:ln>
+          </p:spPr>
+          <p:style>
+            <a:lnRef idx="2">
+              <a:schemeClr val="accent1">
+                <a:shade val="50000"/>
+              </a:schemeClr>
+            </a:lnRef>
+            <a:fillRef idx="1">
+              <a:schemeClr val="accent1"/>
+            </a:fillRef>
+            <a:effectRef idx="0">
+              <a:schemeClr val="accent1"/>
+            </a:effectRef>
+            <a:fontRef idx="minor">
+              <a:schemeClr val="lt1"/>
+            </a:fontRef>
+          </p:style>
+          <p:txBody>
+            <a:bodyPr rtlCol="0" anchor="ctr"/>
+            <a:lstStyle/>
+            <a:p>
+              <a:pPr algn="ctr"/>
+              <a:r>
+                <a:rPr kumimoji="1" lang="en-US" altLang="ja-JP" sz="1600" dirty="0" smtClean="0">
+                  <a:solidFill>
+                    <a:schemeClr val="tx2"/>
+                  </a:solidFill>
+                </a:rPr>
+                <a:t>Linux/Unix/Mac</a:t>
+              </a:r>
+              <a:r>
+                <a:rPr kumimoji="1" lang="ko-KR" altLang="en-US" sz="1600" dirty="0" smtClean="0">
+                  <a:solidFill>
+                    <a:schemeClr val="tx2"/>
+                  </a:solidFill>
+                </a:rPr>
+                <a:t>용 바이너리</a:t>
+              </a:r>
+              <a:endParaRPr kumimoji="1" lang="en-US" altLang="ja-JP" sz="1600" dirty="0" smtClean="0">
+                <a:solidFill>
+                  <a:schemeClr val="tx2"/>
+                </a:solidFill>
+              </a:endParaRPr>
+            </a:p>
+          </p:txBody>
+        </p:sp>
+        <p:sp>
+          <p:nvSpPr>
+            <p:cNvPr id="8" name="正方形/長方形 7"/>
+            <p:cNvSpPr/>
+            <p:nvPr/>
+          </p:nvSpPr>
+          <p:spPr>
+            <a:xfrm>
+              <a:off x="4983916" y="2708920"/>
+              <a:ext cx="2880320" cy="648072"/>
+            </a:xfrm>
+            <a:prstGeom prst="rect">
+              <a:avLst/>
+            </a:prstGeom>
+            <a:solidFill>
+              <a:schemeClr val="bg2"/>
+            </a:solidFill>
+            <a:ln w="9525">
+              <a:solidFill>
+                <a:schemeClr val="tx1"/>
+              </a:solidFill>
+            </a:ln>
+          </p:spPr>
+          <p:style>
+            <a:lnRef idx="2">
+              <a:schemeClr val="accent1">
+                <a:shade val="50000"/>
+              </a:schemeClr>
+            </a:lnRef>
+            <a:fillRef idx="1">
+              <a:schemeClr val="accent1"/>
+            </a:fillRef>
+            <a:effectRef idx="0">
+              <a:schemeClr val="accent1"/>
+            </a:effectRef>
+            <a:fontRef idx="minor">
+              <a:schemeClr val="lt1"/>
+            </a:fontRef>
+          </p:style>
+          <p:txBody>
+            <a:bodyPr rtlCol="0" anchor="ctr"/>
+            <a:lstStyle/>
+            <a:p>
+              <a:pPr algn="ctr"/>
+              <a:r>
+                <a:rPr kumimoji="1" lang="en-US" altLang="ja-JP" sz="1600" dirty="0" smtClean="0">
+                  <a:solidFill>
+                    <a:schemeClr val="tx2"/>
+                  </a:solidFill>
+                </a:rPr>
+                <a:t>Windows</a:t>
+              </a:r>
+              <a:r>
+                <a:rPr kumimoji="1" lang="ko-KR" altLang="en-US" sz="1600" dirty="0" smtClean="0">
+                  <a:solidFill>
+                    <a:schemeClr val="tx2"/>
+                  </a:solidFill>
+                </a:rPr>
+                <a:t>용 바이너리</a:t>
+              </a:r>
+              <a:endParaRPr kumimoji="1" lang="en-US" altLang="ja-JP" sz="1600" dirty="0" smtClean="0">
+                <a:solidFill>
+                  <a:schemeClr val="tx2"/>
+                </a:solidFill>
+              </a:endParaRPr>
+            </a:p>
+            <a:p>
+              <a:pPr algn="ctr"/>
+              <a:r>
+                <a:rPr lang="ko-KR" altLang="en-US" sz="1600" dirty="0" smtClean="0">
+                  <a:solidFill>
+                    <a:schemeClr val="tx2"/>
+                  </a:solidFill>
+                </a:rPr>
+                <a:t>및 </a:t>
+              </a:r>
+              <a:r>
+                <a:rPr lang="en-US" altLang="ja-JP" sz="1600" dirty="0" err="1" smtClean="0">
+                  <a:solidFill>
+                    <a:schemeClr val="tx2"/>
+                  </a:solidFill>
+                </a:rPr>
+                <a:t>msi</a:t>
+              </a:r>
+              <a:r>
+                <a:rPr lang="en-US" altLang="ja-JP" sz="1600" dirty="0" smtClean="0">
+                  <a:solidFill>
+                    <a:schemeClr val="tx2"/>
+                  </a:solidFill>
+                </a:rPr>
+                <a:t> </a:t>
+              </a:r>
+              <a:r>
+                <a:rPr lang="ko-KR" altLang="en-US" sz="1600" dirty="0" smtClean="0">
+                  <a:solidFill>
+                    <a:schemeClr val="tx2"/>
+                  </a:solidFill>
+                </a:rPr>
+                <a:t>인스톨러</a:t>
+              </a:r>
+              <a:endParaRPr kumimoji="1" lang="ja-JP" altLang="en-US" sz="1600" dirty="0">
+                <a:solidFill>
+                  <a:schemeClr val="tx2"/>
+                </a:solidFill>
+              </a:endParaRPr>
+            </a:p>
+          </p:txBody>
+        </p:sp>
+        <p:cxnSp>
+          <p:nvCxnSpPr>
+            <p:cNvPr id="10" name="カギ線コネクタ 9"/>
+            <p:cNvCxnSpPr>
+              <a:stCxn id="4" idx="2"/>
+              <a:endCxn id="5" idx="0"/>
+            </p:cNvCxnSpPr>
+            <p:nvPr/>
+          </p:nvCxnSpPr>
+          <p:spPr>
+            <a:xfrm rot="5400000">
+              <a:off x="3309730" y="278650"/>
+              <a:ext cx="684076" cy="1944216"/>
+            </a:xfrm>
+            <a:prstGeom prst="bentConnector3">
+              <a:avLst>
+                <a:gd name="adj1" fmla="val 50000"/>
+              </a:avLst>
+            </a:prstGeom>
+            <a:ln>
+              <a:solidFill>
+                <a:schemeClr val="tx1"/>
+              </a:solidFill>
+              <a:tailEnd type="arrow"/>
+            </a:ln>
+          </p:spPr>
+          <p:style>
+            <a:lnRef idx="1">
+              <a:schemeClr val="accent1"/>
+            </a:lnRef>
+            <a:fillRef idx="0">
+              <a:schemeClr val="accent1"/>
+            </a:fillRef>
+            <a:effectRef idx="0">
+              <a:schemeClr val="accent1"/>
+            </a:effectRef>
+            <a:fontRef idx="minor">
+              <a:schemeClr val="tx1"/>
+            </a:fontRef>
+          </p:style>
+        </p:cxnSp>
+        <p:cxnSp>
+          <p:nvCxnSpPr>
+            <p:cNvPr id="12" name="カギ線コネクタ 11"/>
+            <p:cNvCxnSpPr>
+              <a:stCxn id="4" idx="2"/>
+              <a:endCxn id="6" idx="0"/>
+            </p:cNvCxnSpPr>
+            <p:nvPr/>
+          </p:nvCxnSpPr>
+          <p:spPr>
+            <a:xfrm rot="16200000" flipH="1">
+              <a:off x="5181938" y="350658"/>
+              <a:ext cx="684076" cy="1800200"/>
+            </a:xfrm>
+            <a:prstGeom prst="bentConnector3">
+              <a:avLst>
+                <a:gd name="adj1" fmla="val 50000"/>
+              </a:avLst>
+            </a:prstGeom>
+            <a:ln>
+              <a:solidFill>
+                <a:schemeClr val="tx1"/>
+              </a:solidFill>
+              <a:tailEnd type="arrow"/>
+            </a:ln>
+          </p:spPr>
+          <p:style>
+            <a:lnRef idx="1">
+              <a:schemeClr val="accent1"/>
+            </a:lnRef>
+            <a:fillRef idx="0">
+              <a:schemeClr val="accent1"/>
+            </a:fillRef>
+            <a:effectRef idx="0">
+              <a:schemeClr val="accent1"/>
+            </a:effectRef>
+            <a:fontRef idx="minor">
+              <a:schemeClr val="tx1"/>
+            </a:fontRef>
+          </p:style>
+        </p:cxnSp>
+        <p:cxnSp>
+          <p:nvCxnSpPr>
+            <p:cNvPr id="14" name="直線矢印コネクタ 13"/>
+            <p:cNvCxnSpPr>
+              <a:stCxn id="5" idx="2"/>
+              <a:endCxn id="7" idx="0"/>
+            </p:cNvCxnSpPr>
+            <p:nvPr/>
+          </p:nvCxnSpPr>
+          <p:spPr>
+            <a:xfrm rot="5400000">
+              <a:off x="2445634" y="2474894"/>
+              <a:ext cx="468052" cy="1588"/>
+            </a:xfrm>
+            <a:prstGeom prst="straightConnector1">
+              <a:avLst/>
+            </a:prstGeom>
+            <a:ln>
+              <a:solidFill>
+                <a:schemeClr val="tx1"/>
+              </a:solidFill>
+              <a:tailEnd type="arrow"/>
+            </a:ln>
+          </p:spPr>
+          <p:style>
+            <a:lnRef idx="1">
+              <a:schemeClr val="accent1"/>
+            </a:lnRef>
+            <a:fillRef idx="0">
+              <a:schemeClr val="accent1"/>
+            </a:fillRef>
+            <a:effectRef idx="0">
+              <a:schemeClr val="accent1"/>
+            </a:effectRef>
+            <a:fontRef idx="minor">
+              <a:schemeClr val="tx1"/>
+            </a:fontRef>
+          </p:style>
+        </p:cxnSp>
+        <p:cxnSp>
+          <p:nvCxnSpPr>
+            <p:cNvPr id="16" name="直線矢印コネクタ 15"/>
+            <p:cNvCxnSpPr>
+              <a:stCxn id="6" idx="2"/>
+              <a:endCxn id="8" idx="0"/>
+            </p:cNvCxnSpPr>
+            <p:nvPr/>
+          </p:nvCxnSpPr>
+          <p:spPr>
+            <a:xfrm rot="5400000">
+              <a:off x="6190050" y="2474894"/>
+              <a:ext cx="468052" cy="1588"/>
+            </a:xfrm>
+            <a:prstGeom prst="straightConnector1">
+              <a:avLst/>
+            </a:prstGeom>
+            <a:ln>
+              <a:solidFill>
+                <a:schemeClr val="tx1"/>
+              </a:solidFill>
+              <a:tailEnd type="arrow"/>
+            </a:ln>
+          </p:spPr>
+          <p:style>
+            <a:lnRef idx="1">
+              <a:schemeClr val="accent1"/>
+            </a:lnRef>
+            <a:fillRef idx="0">
+              <a:schemeClr val="accent1"/>
+            </a:fillRef>
+            <a:effectRef idx="0">
+              <a:schemeClr val="accent1"/>
+            </a:effectRef>
+            <a:fontRef idx="minor">
+              <a:schemeClr val="tx1"/>
+            </a:fontRef>
+          </p:style>
+        </p:cxnSp>
+        <p:sp>
+          <p:nvSpPr>
+            <p:cNvPr id="17" name="テキスト ボックス 16"/>
+            <p:cNvSpPr txBox="1"/>
+            <p:nvPr/>
+          </p:nvSpPr>
+          <p:spPr>
+            <a:xfrm>
+              <a:off x="4625998" y="980728"/>
+              <a:ext cx="2010679" cy="276999"/>
+            </a:xfrm>
+            <a:prstGeom prst="rect">
+              <a:avLst/>
+            </a:prstGeom>
+            <a:noFill/>
+          </p:spPr>
+          <p:txBody>
+            <a:bodyPr wrap="none" rtlCol="0">
+              <a:spAutoFit/>
+            </a:bodyPr>
+            <a:lstStyle/>
+            <a:p>
+              <a:r>
+                <a:rPr kumimoji="1" lang="en-US" altLang="ja-JP" sz="1200" dirty="0" err="1" smtClean="0"/>
+                <a:t>autogen</a:t>
+              </a:r>
+              <a:r>
+                <a:rPr kumimoji="1" lang="en-US" altLang="ja-JP" sz="1200" dirty="0" smtClean="0"/>
+                <a:t>/make dist (on Linux)</a:t>
+              </a:r>
+              <a:endParaRPr kumimoji="1" lang="ja-JP" altLang="en-US" sz="1200" dirty="0"/>
+            </a:p>
+          </p:txBody>
+        </p:sp>
+        <p:sp>
+          <p:nvSpPr>
+            <p:cNvPr id="18" name="テキスト ボックス 17"/>
+            <p:cNvSpPr txBox="1"/>
+            <p:nvPr/>
+          </p:nvSpPr>
+          <p:spPr>
+            <a:xfrm>
+              <a:off x="1313967" y="2247255"/>
+              <a:ext cx="1437701" cy="461665"/>
+            </a:xfrm>
+            <a:prstGeom prst="rect">
+              <a:avLst/>
+            </a:prstGeom>
+            <a:noFill/>
+          </p:spPr>
+          <p:txBody>
+            <a:bodyPr wrap="none" rtlCol="0">
+              <a:spAutoFit/>
+            </a:bodyPr>
+            <a:lstStyle/>
+            <a:p>
+              <a:pPr algn="ctr"/>
+              <a:r>
+                <a:rPr kumimoji="1" lang="en-US" altLang="ja-JP" sz="1200" dirty="0" smtClean="0"/>
+                <a:t>configure/make</a:t>
+              </a:r>
+            </a:p>
+            <a:p>
+              <a:pPr algn="ctr"/>
+              <a:r>
+                <a:rPr kumimoji="1" lang="en-US" altLang="ja-JP" sz="1200" dirty="0" smtClean="0"/>
+                <a:t>(build by </a:t>
+              </a:r>
+              <a:r>
+                <a:rPr kumimoji="1" lang="en-US" altLang="ja-JP" sz="1200" dirty="0" err="1" smtClean="0"/>
+                <a:t>autotools</a:t>
+              </a:r>
+              <a:r>
+                <a:rPr kumimoji="1" lang="en-US" altLang="ja-JP" sz="1200" dirty="0" smtClean="0"/>
+                <a:t>)</a:t>
+              </a:r>
+              <a:endParaRPr kumimoji="1" lang="ja-JP" altLang="en-US" sz="1200" dirty="0"/>
+            </a:p>
+          </p:txBody>
+        </p:sp>
+        <p:sp>
+          <p:nvSpPr>
+            <p:cNvPr id="19" name="テキスト ボックス 18"/>
+            <p:cNvSpPr txBox="1"/>
+            <p:nvPr/>
+          </p:nvSpPr>
+          <p:spPr>
+            <a:xfrm>
+              <a:off x="6352068" y="2247255"/>
+              <a:ext cx="1807482" cy="461665"/>
+            </a:xfrm>
+            <a:prstGeom prst="rect">
+              <a:avLst/>
+            </a:prstGeom>
+            <a:noFill/>
+          </p:spPr>
+          <p:txBody>
+            <a:bodyPr wrap="none" rtlCol="0">
+              <a:spAutoFit/>
+            </a:bodyPr>
+            <a:lstStyle/>
+            <a:p>
+              <a:pPr algn="ctr"/>
+              <a:r>
+                <a:rPr lang="en-US" altLang="ja-JP" sz="1200" dirty="0" err="1" smtClean="0"/>
+                <a:t>autobuild_vc</a:t>
+              </a:r>
+              <a:r>
+                <a:rPr lang="en-US" altLang="ja-JP" sz="1200" dirty="0" smtClean="0"/>
+                <a:t>?.bat</a:t>
+              </a:r>
+              <a:endParaRPr kumimoji="1" lang="en-US" altLang="ja-JP" sz="1200" dirty="0" smtClean="0"/>
+            </a:p>
+            <a:p>
+              <a:pPr algn="ctr"/>
+              <a:r>
+                <a:rPr kumimoji="1" lang="en-US" altLang="ja-JP" sz="1200" dirty="0" smtClean="0"/>
+                <a:t>(build by </a:t>
+              </a:r>
+              <a:r>
+                <a:rPr kumimoji="1" lang="en-US" altLang="ja-JP" sz="1200" dirty="0" err="1" smtClean="0"/>
+                <a:t>vcbuild</a:t>
+              </a:r>
+              <a:r>
+                <a:rPr kumimoji="1" lang="en-US" altLang="ja-JP" sz="1200" dirty="0" smtClean="0"/>
+                <a:t> and </a:t>
+              </a:r>
+              <a:r>
+                <a:rPr kumimoji="1" lang="en-US" altLang="ja-JP" sz="1200" dirty="0" err="1" smtClean="0"/>
+                <a:t>WiX</a:t>
+              </a:r>
+              <a:r>
+                <a:rPr kumimoji="1" lang="en-US" altLang="ja-JP" sz="1200" dirty="0" smtClean="0"/>
+                <a:t>)</a:t>
+              </a:r>
+              <a:endParaRPr kumimoji="1" lang="ja-JP" altLang="en-US" sz="1200" dirty="0"/>
+            </a:p>
+          </p:txBody>
+        </p:sp>
+        <p:sp>
+          <p:nvSpPr>
+            <p:cNvPr id="20" name="テキスト ボックス 19"/>
+            <p:cNvSpPr txBox="1"/>
+            <p:nvPr/>
+          </p:nvSpPr>
+          <p:spPr>
+            <a:xfrm>
+              <a:off x="6424076" y="1340768"/>
+              <a:ext cx="1658596" cy="276999"/>
+            </a:xfrm>
+            <a:prstGeom prst="rect">
+              <a:avLst/>
+            </a:prstGeom>
+            <a:noFill/>
+          </p:spPr>
+          <p:txBody>
+            <a:bodyPr wrap="none" rtlCol="0">
+              <a:spAutoFit/>
+            </a:bodyPr>
+            <a:lstStyle/>
+            <a:p>
+              <a:r>
+                <a:rPr kumimoji="1" lang="en-US" altLang="ja-JP" sz="1200" dirty="0" err="1" smtClean="0"/>
+                <a:t>OpenRTM-aist-X.X.X.zip</a:t>
+              </a:r>
+              <a:endParaRPr kumimoji="1" lang="ja-JP" altLang="en-US" sz="1200" dirty="0"/>
+            </a:p>
+          </p:txBody>
+        </p:sp>
+        <p:sp>
+          <p:nvSpPr>
+            <p:cNvPr id="21" name="テキスト ボックス 20"/>
+            <p:cNvSpPr txBox="1"/>
+            <p:nvPr/>
+          </p:nvSpPr>
+          <p:spPr>
+            <a:xfrm>
+              <a:off x="899592" y="1340768"/>
+              <a:ext cx="1811971" cy="276999"/>
+            </a:xfrm>
+            <a:prstGeom prst="rect">
+              <a:avLst/>
+            </a:prstGeom>
+            <a:noFill/>
+          </p:spPr>
+          <p:txBody>
+            <a:bodyPr wrap="none" rtlCol="0">
+              <a:spAutoFit/>
+            </a:bodyPr>
+            <a:lstStyle/>
+            <a:p>
+              <a:r>
+                <a:rPr kumimoji="1" lang="en-US" altLang="ja-JP" sz="1200" dirty="0" err="1" smtClean="0"/>
+                <a:t>OpenRTM-aist-X.X.X.tar.gz</a:t>
+              </a:r>
+              <a:endParaRPr kumimoji="1" lang="ja-JP" altLang="en-US" sz="1200" dirty="0"/>
+            </a:p>
+          </p:txBody>
+        </p:sp>
+      </p:grpSp>
+      <p:grpSp>
+        <p:nvGrpSpPr>
+          <p:cNvPr id="3" name="グループ化 22"/>
+          <p:cNvGrpSpPr>
+            <a:grpSpLocks noChangeAspect="1"/>
+          </p:cNvGrpSpPr>
+          <p:nvPr/>
+        </p:nvGrpSpPr>
+        <p:grpSpPr>
+          <a:xfrm>
+            <a:off x="2483768" y="4293096"/>
+            <a:ext cx="4230897" cy="1800000"/>
+            <a:chOff x="899592" y="260648"/>
+            <a:chExt cx="7277955" cy="3096344"/>
+          </a:xfrm>
+        </p:grpSpPr>
+        <p:sp>
+          <p:nvSpPr>
+            <p:cNvPr id="24" name="正方形/長方形 23"/>
+            <p:cNvSpPr/>
+            <p:nvPr/>
+          </p:nvSpPr>
+          <p:spPr>
+            <a:xfrm>
+              <a:off x="3183716" y="260648"/>
+              <a:ext cx="2880320" cy="648072"/>
+            </a:xfrm>
+            <a:prstGeom prst="rect">
+              <a:avLst/>
+            </a:prstGeom>
+            <a:solidFill>
+              <a:schemeClr val="bg2"/>
+            </a:solidFill>
+            <a:ln w="9525">
+              <a:solidFill>
+                <a:schemeClr val="tx1"/>
+              </a:solidFill>
+            </a:ln>
+          </p:spPr>
+          <p:style>
+            <a:lnRef idx="2">
+              <a:schemeClr val="accent1">
+                <a:shade val="50000"/>
+              </a:schemeClr>
+            </a:lnRef>
+            <a:fillRef idx="1">
+              <a:schemeClr val="accent1"/>
+            </a:fillRef>
+            <a:effectRef idx="0">
+              <a:schemeClr val="accent1"/>
+            </a:effectRef>
+            <a:fontRef idx="minor">
+              <a:schemeClr val="lt1"/>
+            </a:fontRef>
+          </p:style>
+          <p:txBody>
+            <a:bodyPr rtlCol="0" anchor="ctr"/>
+            <a:lstStyle/>
+            <a:p>
+              <a:pPr algn="ctr"/>
+              <a:r>
+                <a:rPr lang="ko-KR" altLang="en-US" sz="900" dirty="0" smtClean="0">
+                  <a:solidFill>
+                    <a:schemeClr val="tx2"/>
+                  </a:solidFill>
+                </a:rPr>
+                <a:t>오리지널 소스</a:t>
+              </a:r>
+              <a:endParaRPr kumimoji="1" lang="en-US" altLang="ja-JP" sz="900" dirty="0" smtClean="0">
+                <a:solidFill>
+                  <a:schemeClr val="tx2"/>
+                </a:solidFill>
+              </a:endParaRPr>
+            </a:p>
+            <a:p>
+              <a:pPr algn="ctr"/>
+              <a:r>
+                <a:rPr lang="en-US" altLang="ja-JP" sz="900" dirty="0" smtClean="0">
+                  <a:solidFill>
+                    <a:schemeClr val="tx2"/>
+                  </a:solidFill>
+                </a:rPr>
+                <a:t>(subversion </a:t>
+              </a:r>
+              <a:r>
+                <a:rPr lang="en-US" altLang="ja-JP" sz="900" dirty="0" smtClean="0">
+                  <a:solidFill>
+                    <a:schemeClr val="tx2"/>
+                  </a:solidFill>
+                </a:rPr>
+                <a:t> </a:t>
+              </a:r>
+              <a:r>
+                <a:rPr lang="ko-KR" altLang="en-US" sz="900" dirty="0" smtClean="0">
+                  <a:solidFill>
+                    <a:schemeClr val="tx2"/>
+                  </a:solidFill>
+                </a:rPr>
+                <a:t>리포지터리</a:t>
+              </a:r>
+              <a:r>
+                <a:rPr lang="en-US" altLang="ja-JP" sz="900" dirty="0" smtClean="0">
+                  <a:solidFill>
+                    <a:schemeClr val="tx2"/>
+                  </a:solidFill>
+                </a:rPr>
+                <a:t>)</a:t>
+              </a:r>
+              <a:endParaRPr kumimoji="1" lang="ja-JP" altLang="en-US" sz="900" dirty="0">
+                <a:solidFill>
+                  <a:schemeClr val="tx2"/>
+                </a:solidFill>
+              </a:endParaRPr>
+            </a:p>
+          </p:txBody>
+        </p:sp>
+        <p:sp>
+          <p:nvSpPr>
+            <p:cNvPr id="25" name="正方形/長方形 24"/>
+            <p:cNvSpPr/>
+            <p:nvPr/>
+          </p:nvSpPr>
+          <p:spPr>
+            <a:xfrm>
+              <a:off x="1239500" y="1592796"/>
+              <a:ext cx="2880320" cy="648072"/>
+            </a:xfrm>
+            <a:prstGeom prst="rect">
+              <a:avLst/>
+            </a:prstGeom>
+            <a:solidFill>
+              <a:schemeClr val="bg2"/>
+            </a:solidFill>
+            <a:ln w="9525">
+              <a:solidFill>
+                <a:schemeClr val="tx1"/>
+              </a:solidFill>
+            </a:ln>
+          </p:spPr>
+          <p:style>
+            <a:lnRef idx="2">
+              <a:schemeClr val="accent1">
+                <a:shade val="50000"/>
+              </a:schemeClr>
+            </a:lnRef>
+            <a:fillRef idx="1">
+              <a:schemeClr val="accent1"/>
+            </a:fillRef>
+            <a:effectRef idx="0">
+              <a:schemeClr val="accent1"/>
+            </a:effectRef>
+            <a:fontRef idx="minor">
+              <a:schemeClr val="lt1"/>
+            </a:fontRef>
+          </p:style>
+          <p:txBody>
+            <a:bodyPr rtlCol="0" anchor="ctr"/>
+            <a:lstStyle/>
+            <a:p>
+              <a:pPr algn="ctr"/>
+              <a:r>
+                <a:rPr kumimoji="1" lang="en-US" altLang="ja-JP" sz="900" dirty="0" smtClean="0">
+                  <a:solidFill>
+                    <a:schemeClr val="tx2"/>
+                  </a:solidFill>
+                </a:rPr>
+                <a:t>Linux/Unix/Mac</a:t>
+              </a:r>
+              <a:r>
+                <a:rPr kumimoji="1" lang="ko-KR" altLang="en-US" sz="900" dirty="0" smtClean="0">
+                  <a:solidFill>
+                    <a:schemeClr val="tx2"/>
+                  </a:solidFill>
+                </a:rPr>
+                <a:t>용 소스</a:t>
+              </a:r>
+              <a:endParaRPr kumimoji="1" lang="en-US" altLang="ja-JP" sz="900" dirty="0" smtClean="0">
+                <a:solidFill>
+                  <a:schemeClr val="tx2"/>
+                </a:solidFill>
+              </a:endParaRPr>
+            </a:p>
+            <a:p>
+              <a:pPr algn="ctr"/>
+              <a:r>
+                <a:rPr lang="en-US" altLang="ja-JP" sz="900" dirty="0" smtClean="0">
+                  <a:solidFill>
+                    <a:schemeClr val="tx2"/>
+                  </a:solidFill>
+                </a:rPr>
+                <a:t>(</a:t>
+              </a:r>
+              <a:r>
+                <a:rPr lang="en-US" altLang="ja-JP" sz="900" dirty="0" err="1" smtClean="0">
+                  <a:solidFill>
+                    <a:schemeClr val="tx2"/>
+                  </a:solidFill>
+                </a:rPr>
+                <a:t>autotools</a:t>
+              </a:r>
+              <a:r>
+                <a:rPr lang="en-US" altLang="ja-JP" sz="900" dirty="0" smtClean="0">
+                  <a:solidFill>
+                    <a:schemeClr val="tx2"/>
+                  </a:solidFill>
+                </a:rPr>
+                <a:t>)</a:t>
+              </a:r>
+              <a:endParaRPr kumimoji="1" lang="ja-JP" altLang="en-US" sz="900" dirty="0">
+                <a:solidFill>
+                  <a:schemeClr val="tx2"/>
+                </a:solidFill>
+              </a:endParaRPr>
+            </a:p>
+          </p:txBody>
+        </p:sp>
+        <p:sp>
+          <p:nvSpPr>
+            <p:cNvPr id="26" name="正方形/長方形 25"/>
+            <p:cNvSpPr/>
+            <p:nvPr/>
+          </p:nvSpPr>
+          <p:spPr>
+            <a:xfrm>
+              <a:off x="4983916" y="1592796"/>
+              <a:ext cx="2880320" cy="648072"/>
+            </a:xfrm>
+            <a:prstGeom prst="rect">
+              <a:avLst/>
+            </a:prstGeom>
+            <a:solidFill>
+              <a:schemeClr val="bg2"/>
+            </a:solidFill>
+            <a:ln w="9525">
+              <a:solidFill>
+                <a:schemeClr val="tx1"/>
+              </a:solidFill>
+            </a:ln>
+          </p:spPr>
+          <p:style>
+            <a:lnRef idx="2">
+              <a:schemeClr val="accent1">
+                <a:shade val="50000"/>
+              </a:schemeClr>
+            </a:lnRef>
+            <a:fillRef idx="1">
+              <a:schemeClr val="accent1"/>
+            </a:fillRef>
+            <a:effectRef idx="0">
+              <a:schemeClr val="accent1"/>
+            </a:effectRef>
+            <a:fontRef idx="minor">
+              <a:schemeClr val="lt1"/>
+            </a:fontRef>
+          </p:style>
+          <p:txBody>
+            <a:bodyPr rtlCol="0" anchor="ctr"/>
+            <a:lstStyle/>
+            <a:p>
+              <a:pPr algn="ctr"/>
+              <a:r>
+                <a:rPr kumimoji="1" lang="en-US" altLang="ja-JP" sz="900" dirty="0" smtClean="0">
+                  <a:solidFill>
+                    <a:schemeClr val="tx2"/>
+                  </a:solidFill>
+                </a:rPr>
+                <a:t>Windows</a:t>
+              </a:r>
+              <a:r>
+                <a:rPr kumimoji="1" lang="ko-KR" altLang="en-US" sz="900" dirty="0" smtClean="0">
+                  <a:solidFill>
+                    <a:schemeClr val="tx2"/>
+                  </a:solidFill>
+                </a:rPr>
+                <a:t>용 소스</a:t>
+              </a:r>
+              <a:endParaRPr kumimoji="1" lang="en-US" altLang="ja-JP" sz="900" dirty="0" smtClean="0">
+                <a:solidFill>
+                  <a:schemeClr val="tx2"/>
+                </a:solidFill>
+              </a:endParaRPr>
+            </a:p>
+            <a:p>
+              <a:pPr algn="ctr"/>
+              <a:r>
+                <a:rPr lang="en-US" altLang="ja-JP" sz="900" dirty="0" smtClean="0">
+                  <a:solidFill>
+                    <a:schemeClr val="tx2"/>
+                  </a:solidFill>
+                </a:rPr>
+                <a:t>(VC solution/project)</a:t>
+              </a:r>
+              <a:endParaRPr kumimoji="1" lang="ja-JP" altLang="en-US" sz="900" dirty="0">
+                <a:solidFill>
+                  <a:schemeClr val="tx2"/>
+                </a:solidFill>
+              </a:endParaRPr>
+            </a:p>
+          </p:txBody>
+        </p:sp>
+        <p:sp>
+          <p:nvSpPr>
+            <p:cNvPr id="27" name="正方形/長方形 26"/>
+            <p:cNvSpPr/>
+            <p:nvPr/>
+          </p:nvSpPr>
+          <p:spPr>
+            <a:xfrm>
+              <a:off x="1239500" y="2708920"/>
+              <a:ext cx="2880320" cy="648072"/>
+            </a:xfrm>
+            <a:prstGeom prst="rect">
+              <a:avLst/>
+            </a:prstGeom>
+            <a:solidFill>
+              <a:schemeClr val="bg2"/>
+            </a:solidFill>
+            <a:ln w="9525">
+              <a:solidFill>
+                <a:schemeClr val="tx1"/>
+              </a:solidFill>
+            </a:ln>
+          </p:spPr>
+          <p:style>
+            <a:lnRef idx="2">
+              <a:schemeClr val="accent1">
+                <a:shade val="50000"/>
+              </a:schemeClr>
+            </a:lnRef>
+            <a:fillRef idx="1">
+              <a:schemeClr val="accent1"/>
+            </a:fillRef>
+            <a:effectRef idx="0">
+              <a:schemeClr val="accent1"/>
+            </a:effectRef>
+            <a:fontRef idx="minor">
+              <a:schemeClr val="lt1"/>
+            </a:fontRef>
+          </p:style>
+          <p:txBody>
+            <a:bodyPr rtlCol="0" anchor="ctr"/>
+            <a:lstStyle/>
+            <a:p>
+              <a:pPr algn="ctr"/>
+              <a:r>
+                <a:rPr kumimoji="1" lang="en-US" altLang="ja-JP" sz="900" dirty="0" smtClean="0">
+                  <a:solidFill>
+                    <a:schemeClr val="tx2"/>
+                  </a:solidFill>
+                </a:rPr>
+                <a:t>Linux/Unix/Mac</a:t>
+              </a:r>
+              <a:r>
+                <a:rPr kumimoji="1" lang="ko-KR" altLang="en-US" sz="900" dirty="0" smtClean="0">
+                  <a:solidFill>
+                    <a:schemeClr val="tx2"/>
+                  </a:solidFill>
+                </a:rPr>
+                <a:t>용 바이너리</a:t>
+              </a:r>
+              <a:endParaRPr kumimoji="1" lang="en-US" altLang="ja-JP" sz="900" dirty="0" smtClean="0">
+                <a:solidFill>
+                  <a:schemeClr val="tx2"/>
+                </a:solidFill>
+              </a:endParaRPr>
+            </a:p>
+          </p:txBody>
+        </p:sp>
+        <p:sp>
+          <p:nvSpPr>
+            <p:cNvPr id="28" name="正方形/長方形 27"/>
+            <p:cNvSpPr/>
+            <p:nvPr/>
+          </p:nvSpPr>
+          <p:spPr>
+            <a:xfrm>
+              <a:off x="4983916" y="2708920"/>
+              <a:ext cx="2880320" cy="648072"/>
+            </a:xfrm>
+            <a:prstGeom prst="rect">
+              <a:avLst/>
+            </a:prstGeom>
+            <a:solidFill>
+              <a:schemeClr val="bg2"/>
+            </a:solidFill>
+            <a:ln w="9525">
+              <a:solidFill>
+                <a:schemeClr val="tx1"/>
+              </a:solidFill>
+            </a:ln>
+          </p:spPr>
+          <p:style>
+            <a:lnRef idx="2">
+              <a:schemeClr val="accent1">
+                <a:shade val="50000"/>
+              </a:schemeClr>
+            </a:lnRef>
+            <a:fillRef idx="1">
+              <a:schemeClr val="accent1"/>
+            </a:fillRef>
+            <a:effectRef idx="0">
+              <a:schemeClr val="accent1"/>
+            </a:effectRef>
+            <a:fontRef idx="minor">
+              <a:schemeClr val="lt1"/>
+            </a:fontRef>
+          </p:style>
+          <p:txBody>
+            <a:bodyPr rtlCol="0" anchor="ctr"/>
+            <a:lstStyle/>
+            <a:p>
+              <a:pPr algn="ctr"/>
+              <a:r>
+                <a:rPr kumimoji="1" lang="en-US" altLang="ja-JP" sz="900" dirty="0" smtClean="0">
+                  <a:solidFill>
+                    <a:schemeClr val="tx2"/>
+                  </a:solidFill>
+                </a:rPr>
+                <a:t>Windows</a:t>
+              </a:r>
+              <a:r>
+                <a:rPr kumimoji="1" lang="ko-KR" altLang="en-US" sz="900" dirty="0" smtClean="0">
+                  <a:solidFill>
+                    <a:schemeClr val="tx2"/>
+                  </a:solidFill>
+                </a:rPr>
+                <a:t>용 바이너리</a:t>
+              </a:r>
+              <a:endParaRPr kumimoji="1" lang="en-US" altLang="ja-JP" sz="900" dirty="0" smtClean="0">
+                <a:solidFill>
+                  <a:schemeClr val="tx2"/>
+                </a:solidFill>
+              </a:endParaRPr>
+            </a:p>
+            <a:p>
+              <a:pPr algn="ctr"/>
+              <a:r>
+                <a:rPr lang="ko-KR" altLang="en-US" sz="900" dirty="0" smtClean="0">
+                  <a:solidFill>
+                    <a:schemeClr val="tx2"/>
+                  </a:solidFill>
+                </a:rPr>
+                <a:t>및 </a:t>
+              </a:r>
+              <a:r>
+                <a:rPr lang="en-US" altLang="ja-JP" sz="900" dirty="0" err="1" smtClean="0">
+                  <a:solidFill>
+                    <a:schemeClr val="tx2"/>
+                  </a:solidFill>
+                </a:rPr>
+                <a:t>msi</a:t>
+              </a:r>
+              <a:r>
+                <a:rPr lang="en-US" altLang="ja-JP" sz="900" dirty="0" smtClean="0">
+                  <a:solidFill>
+                    <a:schemeClr val="tx2"/>
+                  </a:solidFill>
+                </a:rPr>
+                <a:t> </a:t>
+              </a:r>
+              <a:r>
+                <a:rPr lang="ko-KR" altLang="en-US" sz="900" dirty="0" smtClean="0">
+                  <a:solidFill>
+                    <a:schemeClr val="tx2"/>
+                  </a:solidFill>
+                </a:rPr>
+                <a:t>인스톨러</a:t>
+              </a:r>
+              <a:endParaRPr kumimoji="1" lang="ja-JP" altLang="en-US" sz="900" dirty="0">
+                <a:solidFill>
+                  <a:schemeClr val="tx2"/>
+                </a:solidFill>
+              </a:endParaRPr>
+            </a:p>
+          </p:txBody>
+        </p:sp>
+        <p:cxnSp>
+          <p:nvCxnSpPr>
+            <p:cNvPr id="29" name="カギ線コネクタ 28"/>
+            <p:cNvCxnSpPr>
+              <a:stCxn id="24" idx="2"/>
+              <a:endCxn id="25" idx="0"/>
+            </p:cNvCxnSpPr>
+            <p:nvPr/>
+          </p:nvCxnSpPr>
+          <p:spPr>
+            <a:xfrm rot="5400000">
+              <a:off x="3309730" y="278650"/>
+              <a:ext cx="684076" cy="1944216"/>
+            </a:xfrm>
+            <a:prstGeom prst="bentConnector3">
+              <a:avLst>
+                <a:gd name="adj1" fmla="val 50000"/>
+              </a:avLst>
+            </a:prstGeom>
+            <a:ln>
+              <a:solidFill>
+                <a:schemeClr val="tx1"/>
+              </a:solidFill>
+              <a:tailEnd type="arrow"/>
+            </a:ln>
+          </p:spPr>
+          <p:style>
+            <a:lnRef idx="1">
+              <a:schemeClr val="accent1"/>
+            </a:lnRef>
+            <a:fillRef idx="0">
+              <a:schemeClr val="accent1"/>
+            </a:fillRef>
+            <a:effectRef idx="0">
+              <a:schemeClr val="accent1"/>
+            </a:effectRef>
+            <a:fontRef idx="minor">
+              <a:schemeClr val="tx1"/>
+            </a:fontRef>
+          </p:style>
+        </p:cxnSp>
+        <p:cxnSp>
+          <p:nvCxnSpPr>
+            <p:cNvPr id="30" name="カギ線コネクタ 29"/>
+            <p:cNvCxnSpPr>
+              <a:stCxn id="24" idx="2"/>
+              <a:endCxn id="26" idx="0"/>
+            </p:cNvCxnSpPr>
+            <p:nvPr/>
+          </p:nvCxnSpPr>
+          <p:spPr>
+            <a:xfrm rot="16200000" flipH="1">
+              <a:off x="5181938" y="350658"/>
+              <a:ext cx="684076" cy="1800200"/>
+            </a:xfrm>
+            <a:prstGeom prst="bentConnector3">
+              <a:avLst>
+                <a:gd name="adj1" fmla="val 50000"/>
+              </a:avLst>
+            </a:prstGeom>
+            <a:ln>
+              <a:solidFill>
+                <a:schemeClr val="tx1"/>
+              </a:solidFill>
+              <a:tailEnd type="arrow"/>
+            </a:ln>
+          </p:spPr>
+          <p:style>
+            <a:lnRef idx="1">
+              <a:schemeClr val="accent1"/>
+            </a:lnRef>
+            <a:fillRef idx="0">
+              <a:schemeClr val="accent1"/>
+            </a:fillRef>
+            <a:effectRef idx="0">
+              <a:schemeClr val="accent1"/>
+            </a:effectRef>
+            <a:fontRef idx="minor">
+              <a:schemeClr val="tx1"/>
+            </a:fontRef>
+          </p:style>
+        </p:cxnSp>
+        <p:cxnSp>
+          <p:nvCxnSpPr>
+            <p:cNvPr id="31" name="直線矢印コネクタ 30"/>
+            <p:cNvCxnSpPr>
+              <a:stCxn id="25" idx="2"/>
+              <a:endCxn id="27" idx="0"/>
+            </p:cNvCxnSpPr>
+            <p:nvPr/>
+          </p:nvCxnSpPr>
+          <p:spPr>
+            <a:xfrm rot="5400000">
+              <a:off x="2445634" y="2474894"/>
+              <a:ext cx="468052" cy="1588"/>
+            </a:xfrm>
+            <a:prstGeom prst="straightConnector1">
+              <a:avLst/>
+            </a:prstGeom>
+            <a:ln>
+              <a:solidFill>
+                <a:schemeClr val="tx1"/>
+              </a:solidFill>
+              <a:tailEnd type="arrow"/>
+            </a:ln>
+          </p:spPr>
+          <p:style>
+            <a:lnRef idx="1">
+              <a:schemeClr val="accent1"/>
+            </a:lnRef>
+            <a:fillRef idx="0">
+              <a:schemeClr val="accent1"/>
+            </a:fillRef>
+            <a:effectRef idx="0">
+              <a:schemeClr val="accent1"/>
+            </a:effectRef>
+            <a:fontRef idx="minor">
+              <a:schemeClr val="tx1"/>
+            </a:fontRef>
+          </p:style>
+        </p:cxnSp>
+        <p:cxnSp>
+          <p:nvCxnSpPr>
+            <p:cNvPr id="32" name="直線矢印コネクタ 31"/>
+            <p:cNvCxnSpPr>
+              <a:stCxn id="26" idx="2"/>
+              <a:endCxn id="28" idx="0"/>
+            </p:cNvCxnSpPr>
+            <p:nvPr/>
+          </p:nvCxnSpPr>
+          <p:spPr>
+            <a:xfrm rot="5400000">
+              <a:off x="6190050" y="2474894"/>
+              <a:ext cx="468052" cy="1588"/>
+            </a:xfrm>
+            <a:prstGeom prst="straightConnector1">
+              <a:avLst/>
+            </a:prstGeom>
+            <a:ln>
+              <a:solidFill>
+                <a:schemeClr val="tx1"/>
+              </a:solidFill>
+              <a:tailEnd type="arrow"/>
+            </a:ln>
+          </p:spPr>
+          <p:style>
+            <a:lnRef idx="1">
+              <a:schemeClr val="accent1"/>
+            </a:lnRef>
+            <a:fillRef idx="0">
+              <a:schemeClr val="accent1"/>
+            </a:fillRef>
+            <a:effectRef idx="0">
+              <a:schemeClr val="accent1"/>
+            </a:effectRef>
+            <a:fontRef idx="minor">
+              <a:schemeClr val="tx1"/>
+            </a:fontRef>
+          </p:style>
+        </p:cxnSp>
+        <p:sp>
+          <p:nvSpPr>
+            <p:cNvPr id="33" name="テキスト ボックス 32"/>
+            <p:cNvSpPr txBox="1"/>
+            <p:nvPr/>
+          </p:nvSpPr>
+          <p:spPr>
+            <a:xfrm>
+              <a:off x="4625999" y="980728"/>
+              <a:ext cx="2044197" cy="325320"/>
+            </a:xfrm>
+            <a:prstGeom prst="rect">
+              <a:avLst/>
+            </a:prstGeom>
+            <a:noFill/>
+          </p:spPr>
+          <p:txBody>
+            <a:bodyPr wrap="none" rtlCol="0">
+              <a:spAutoFit/>
+            </a:bodyPr>
+            <a:lstStyle/>
+            <a:p>
+              <a:r>
+                <a:rPr kumimoji="1" lang="en-US" altLang="ja-JP" sz="700" dirty="0" err="1" smtClean="0"/>
+                <a:t>autogen</a:t>
+              </a:r>
+              <a:r>
+                <a:rPr kumimoji="1" lang="en-US" altLang="ja-JP" sz="700" dirty="0" smtClean="0"/>
+                <a:t>/make dist (on Linux)</a:t>
+              </a:r>
+              <a:endParaRPr kumimoji="1" lang="ja-JP" altLang="en-US" sz="700" dirty="0"/>
+            </a:p>
+          </p:txBody>
+        </p:sp>
+        <p:sp>
+          <p:nvSpPr>
+            <p:cNvPr id="34" name="テキスト ボックス 33"/>
+            <p:cNvSpPr txBox="1"/>
+            <p:nvPr/>
+          </p:nvSpPr>
+          <p:spPr>
+            <a:xfrm>
+              <a:off x="1301367" y="2247255"/>
+              <a:ext cx="1462896" cy="500493"/>
+            </a:xfrm>
+            <a:prstGeom prst="rect">
+              <a:avLst/>
+            </a:prstGeom>
+            <a:noFill/>
+          </p:spPr>
+          <p:txBody>
+            <a:bodyPr wrap="none" rtlCol="0">
+              <a:spAutoFit/>
+            </a:bodyPr>
+            <a:lstStyle/>
+            <a:p>
+              <a:pPr algn="ctr"/>
+              <a:r>
+                <a:rPr kumimoji="1" lang="en-US" altLang="ja-JP" sz="700" dirty="0" smtClean="0"/>
+                <a:t>configure/make</a:t>
+              </a:r>
+            </a:p>
+            <a:p>
+              <a:pPr algn="ctr"/>
+              <a:r>
+                <a:rPr kumimoji="1" lang="en-US" altLang="ja-JP" sz="700" dirty="0" smtClean="0"/>
+                <a:t>(build by </a:t>
+              </a:r>
+              <a:r>
+                <a:rPr kumimoji="1" lang="en-US" altLang="ja-JP" sz="700" dirty="0" err="1" smtClean="0"/>
+                <a:t>autotools</a:t>
+              </a:r>
+              <a:r>
+                <a:rPr kumimoji="1" lang="en-US" altLang="ja-JP" sz="700" dirty="0" smtClean="0"/>
+                <a:t>)</a:t>
+              </a:r>
+              <a:endParaRPr kumimoji="1" lang="ja-JP" altLang="en-US" sz="700" dirty="0"/>
+            </a:p>
+          </p:txBody>
+        </p:sp>
+        <p:sp>
+          <p:nvSpPr>
+            <p:cNvPr id="35" name="テキスト ボックス 34"/>
+            <p:cNvSpPr txBox="1"/>
+            <p:nvPr/>
+          </p:nvSpPr>
+          <p:spPr>
+            <a:xfrm>
+              <a:off x="6334067" y="2247255"/>
+              <a:ext cx="1843480" cy="500493"/>
+            </a:xfrm>
+            <a:prstGeom prst="rect">
+              <a:avLst/>
+            </a:prstGeom>
+            <a:noFill/>
+          </p:spPr>
+          <p:txBody>
+            <a:bodyPr wrap="none" rtlCol="0">
+              <a:spAutoFit/>
+            </a:bodyPr>
+            <a:lstStyle/>
+            <a:p>
+              <a:pPr algn="ctr"/>
+              <a:r>
+                <a:rPr lang="en-US" altLang="ja-JP" sz="700" dirty="0" err="1" smtClean="0"/>
+                <a:t>autobuild_vc</a:t>
+              </a:r>
+              <a:r>
+                <a:rPr lang="en-US" altLang="ja-JP" sz="700" dirty="0" smtClean="0"/>
+                <a:t>?.bat</a:t>
+              </a:r>
+              <a:endParaRPr kumimoji="1" lang="en-US" altLang="ja-JP" sz="700" dirty="0" smtClean="0"/>
+            </a:p>
+            <a:p>
+              <a:pPr algn="ctr"/>
+              <a:r>
+                <a:rPr kumimoji="1" lang="en-US" altLang="ja-JP" sz="700" dirty="0" smtClean="0"/>
+                <a:t>(build by </a:t>
+              </a:r>
+              <a:r>
+                <a:rPr kumimoji="1" lang="en-US" altLang="ja-JP" sz="700" dirty="0" err="1" smtClean="0"/>
+                <a:t>vcbuild</a:t>
+              </a:r>
+              <a:r>
+                <a:rPr kumimoji="1" lang="en-US" altLang="ja-JP" sz="700" dirty="0" smtClean="0"/>
+                <a:t> and </a:t>
+              </a:r>
+              <a:r>
+                <a:rPr kumimoji="1" lang="en-US" altLang="ja-JP" sz="700" dirty="0" err="1" smtClean="0"/>
+                <a:t>WiX</a:t>
+              </a:r>
+              <a:r>
+                <a:rPr kumimoji="1" lang="en-US" altLang="ja-JP" sz="700" dirty="0" smtClean="0"/>
+                <a:t>)</a:t>
+              </a:r>
+              <a:endParaRPr kumimoji="1" lang="ja-JP" altLang="en-US" sz="700" dirty="0"/>
+            </a:p>
+          </p:txBody>
+        </p:sp>
+        <p:sp>
+          <p:nvSpPr>
+            <p:cNvPr id="36" name="テキスト ボックス 35"/>
+            <p:cNvSpPr txBox="1"/>
+            <p:nvPr/>
+          </p:nvSpPr>
+          <p:spPr>
+            <a:xfrm>
+              <a:off x="6424076" y="1340768"/>
+              <a:ext cx="1697503" cy="325320"/>
+            </a:xfrm>
+            <a:prstGeom prst="rect">
+              <a:avLst/>
+            </a:prstGeom>
+            <a:noFill/>
+          </p:spPr>
+          <p:txBody>
+            <a:bodyPr wrap="none" rtlCol="0">
+              <a:spAutoFit/>
+            </a:bodyPr>
+            <a:lstStyle/>
+            <a:p>
+              <a:r>
+                <a:rPr kumimoji="1" lang="en-US" altLang="ja-JP" sz="700" dirty="0" err="1" smtClean="0"/>
+                <a:t>OpenRTM-aist-X.X.X.zip</a:t>
+              </a:r>
+              <a:endParaRPr kumimoji="1" lang="ja-JP" altLang="en-US" sz="700" dirty="0"/>
+            </a:p>
+          </p:txBody>
+        </p:sp>
+        <p:sp>
+          <p:nvSpPr>
+            <p:cNvPr id="37" name="テキスト ボックス 36"/>
+            <p:cNvSpPr txBox="1"/>
+            <p:nvPr/>
+          </p:nvSpPr>
+          <p:spPr>
+            <a:xfrm>
+              <a:off x="899592" y="1340768"/>
+              <a:ext cx="1864334" cy="325320"/>
             </a:xfrm>
             <a:prstGeom prst="rect">
               <a:avLst/>
